--- a/01-course-overview/slides/01-course-introx.pptx
+++ b/01-course-overview/slides/01-course-introx.pptx
@@ -216,7 +216,7 @@
           <a:p>
             <a:fld id="{8E302CDF-8358-214F-899B-ACED700ACE47}" type="datetimeFigureOut">
               <a:rPr lang="en-US" smtClean="0"/>
-              <a:t>8/27/22</a:t>
+              <a:t>1/17/23</a:t>
             </a:fld>
             <a:endParaRPr lang="en-US"/>
           </a:p>
@@ -851,7 +851,7 @@
           <a:p>
             <a:fld id="{5E0BD84F-D9E1-4D21-B850-79FB69E702CD}" type="datetimeFigureOut">
               <a:rPr lang="en-US" smtClean="0"/>
-              <a:t>8/27/22</a:t>
+              <a:t>1/17/23</a:t>
             </a:fld>
             <a:endParaRPr lang="en-US"/>
           </a:p>
@@ -1041,7 +1041,7 @@
           <a:p>
             <a:fld id="{5E0BD84F-D9E1-4D21-B850-79FB69E702CD}" type="datetimeFigureOut">
               <a:rPr lang="en-US" smtClean="0"/>
-              <a:t>8/27/22</a:t>
+              <a:t>1/17/23</a:t>
             </a:fld>
             <a:endParaRPr lang="en-US"/>
           </a:p>
@@ -1221,7 +1221,7 @@
           <a:p>
             <a:fld id="{5E0BD84F-D9E1-4D21-B850-79FB69E702CD}" type="datetimeFigureOut">
               <a:rPr lang="en-US" smtClean="0"/>
-              <a:t>8/27/22</a:t>
+              <a:t>1/17/23</a:t>
             </a:fld>
             <a:endParaRPr lang="en-US"/>
           </a:p>
@@ -1744,7 +1744,7 @@
           <a:p>
             <a:fld id="{5E0BD84F-D9E1-4D21-B850-79FB69E702CD}" type="datetimeFigureOut">
               <a:rPr lang="en-US" smtClean="0"/>
-              <a:t>8/27/22</a:t>
+              <a:t>1/17/23</a:t>
             </a:fld>
             <a:endParaRPr lang="en-US"/>
           </a:p>
@@ -2000,7 +2000,7 @@
           <a:p>
             <a:fld id="{5E0BD84F-D9E1-4D21-B850-79FB69E702CD}" type="datetimeFigureOut">
               <a:rPr lang="en-US" smtClean="0"/>
-              <a:t>8/27/22</a:t>
+              <a:t>1/17/23</a:t>
             </a:fld>
             <a:endParaRPr lang="en-US"/>
           </a:p>
@@ -2288,7 +2288,7 @@
           <a:p>
             <a:fld id="{5E0BD84F-D9E1-4D21-B850-79FB69E702CD}" type="datetimeFigureOut">
               <a:rPr lang="en-US" smtClean="0"/>
-              <a:t>8/27/22</a:t>
+              <a:t>1/17/23</a:t>
             </a:fld>
             <a:endParaRPr lang="en-US"/>
           </a:p>
@@ -2726,7 +2726,7 @@
           <a:p>
             <a:fld id="{5E0BD84F-D9E1-4D21-B850-79FB69E702CD}" type="datetimeFigureOut">
               <a:rPr lang="en-US" smtClean="0"/>
-              <a:t>8/27/22</a:t>
+              <a:t>1/17/23</a:t>
             </a:fld>
             <a:endParaRPr lang="en-US"/>
           </a:p>
@@ -2844,7 +2844,7 @@
           <a:p>
             <a:fld id="{5E0BD84F-D9E1-4D21-B850-79FB69E702CD}" type="datetimeFigureOut">
               <a:rPr lang="en-US" smtClean="0"/>
-              <a:t>8/27/22</a:t>
+              <a:t>1/17/23</a:t>
             </a:fld>
             <a:endParaRPr lang="en-US"/>
           </a:p>
@@ -2939,7 +2939,7 @@
           <a:p>
             <a:fld id="{5E0BD84F-D9E1-4D21-B850-79FB69E702CD}" type="datetimeFigureOut">
               <a:rPr lang="en-US" smtClean="0"/>
-              <a:t>8/27/22</a:t>
+              <a:t>1/17/23</a:t>
             </a:fld>
             <a:endParaRPr lang="en-US"/>
           </a:p>
@@ -3295,7 +3295,7 @@
           <a:p>
             <a:fld id="{5E0BD84F-D9E1-4D21-B850-79FB69E702CD}" type="datetimeFigureOut">
               <a:rPr lang="en-US" smtClean="0"/>
-              <a:t>8/27/22</a:t>
+              <a:t>1/17/23</a:t>
             </a:fld>
             <a:endParaRPr lang="en-US"/>
           </a:p>
@@ -3611,7 +3611,7 @@
           <a:p>
             <a:fld id="{5E0BD84F-D9E1-4D21-B850-79FB69E702CD}" type="datetimeFigureOut">
               <a:rPr lang="en-US" smtClean="0"/>
-              <a:t>8/27/22</a:t>
+              <a:t>1/17/23</a:t>
             </a:fld>
             <a:endParaRPr lang="en-US"/>
           </a:p>
@@ -3844,7 +3844,7 @@
           <a:p>
             <a:fld id="{5E0BD84F-D9E1-4D21-B850-79FB69E702CD}" type="datetimeFigureOut">
               <a:rPr lang="en-US" smtClean="0"/>
-              <a:t>8/27/22</a:t>
+              <a:t>1/17/23</a:t>
             </a:fld>
             <a:endParaRPr lang="en-US"/>
           </a:p>
@@ -4612,7 +4612,23 @@
                   <a:srgbClr val="0070C0"/>
                 </a:solidFill>
               </a:rPr>
-              <a:t>3. Discord:</a:t>
+              <a:t>3. Discord: https://</a:t>
+            </a:r>
+            <a:r>
+              <a:rPr lang="en-US" sz="2400" dirty="0" err="1">
+                <a:solidFill>
+                  <a:srgbClr val="0070C0"/>
+                </a:solidFill>
+              </a:rPr>
+              <a:t>discord.gg</a:t>
+            </a:r>
+            <a:r>
+              <a:rPr lang="en-US" sz="2400" dirty="0">
+                <a:solidFill>
+                  <a:srgbClr val="0070C0"/>
+                </a:solidFill>
+              </a:rPr>
+              <a:t>/eNnFc7n8</a:t>
             </a:r>
             <a:endParaRPr lang="en-US" dirty="0">
               <a:solidFill>
@@ -4853,7 +4869,7 @@
                 </a:uFill>
                 <a:latin typeface="Arial"/>
               </a:rPr>
-              <a:t>Teaching Assistant</a:t>
+              <a:t>Teaching Assistants</a:t>
             </a:r>
             <a:endParaRPr lang="en-US" sz="3200" spc="-1" dirty="0">
               <a:solidFill>
@@ -4887,7 +4903,53 @@
                 </a:uFill>
                 <a:latin typeface="Arial"/>
               </a:rPr>
-              <a:t>TBD</a:t>
+              <a:t>Rakib</a:t>
+            </a:r>
+          </a:p>
+          <a:p>
+            <a:pPr marL="799920" lvl="1" indent="-342720">
+              <a:buClr>
+                <a:srgbClr val="FAE101"/>
+              </a:buClr>
+              <a:buFont typeface="Arial"/>
+              <a:buChar char="•"/>
+            </a:pPr>
+            <a:r>
+              <a:rPr lang="en-US" sz="3200" spc="-1" dirty="0">
+                <a:solidFill>
+                  <a:srgbClr val="0070C0"/>
+                </a:solidFill>
+                <a:uFill>
+                  <a:solidFill>
+                    <a:srgbClr val="FFFFFF"/>
+                  </a:solidFill>
+                </a:uFill>
+                <a:latin typeface="Arial"/>
+              </a:rPr>
+              <a:t>John</a:t>
+            </a:r>
+          </a:p>
+          <a:p>
+            <a:pPr marL="799920" lvl="1" indent="-342720">
+              <a:buClr>
+                <a:srgbClr val="FAE101"/>
+              </a:buClr>
+              <a:buFont typeface="Arial"/>
+              <a:buChar char="•"/>
+            </a:pPr>
+            <a:r>
+              <a:rPr lang="en-US" sz="3200" spc="-1" dirty="0">
+                <a:solidFill>
+                  <a:srgbClr val="0070C0"/>
+                </a:solidFill>
+                <a:uFill>
+                  <a:solidFill>
+                    <a:srgbClr val="FFFFFF"/>
+                  </a:solidFill>
+                </a:uFill>
+                <a:latin typeface="Arial"/>
+              </a:rPr>
+              <a:t>Kava</a:t>
             </a:r>
           </a:p>
           <a:p>
